--- a/Project-2.pptx
+++ b/Project-2.pptx
@@ -8,7 +8,6 @@
     <p:sldId id="256" r:id="rId2"/>
     <p:sldId id="257" r:id="rId3"/>
     <p:sldId id="258" r:id="rId4"/>
-    <p:sldId id="259" r:id="rId5"/>
   </p:sldIdLst>
   <p:sldSz cx="12192000" cy="6858000"/>
   <p:notesSz cx="6858000" cy="9144000"/>
@@ -246,7 +245,7 @@
           <a:p>
             <a:fld id="{B763E85F-F0CF-48E9-BAE2-78332D8C44C6}" type="datetimeFigureOut">
               <a:rPr lang="en-US" smtClean="0"/>
-              <a:t>2/25/2023</a:t>
+              <a:t>2/26/2023</a:t>
             </a:fld>
             <a:endParaRPr lang="en-US"/>
           </a:p>
@@ -416,7 +415,7 @@
           <a:p>
             <a:fld id="{B763E85F-F0CF-48E9-BAE2-78332D8C44C6}" type="datetimeFigureOut">
               <a:rPr lang="en-US" smtClean="0"/>
-              <a:t>2/25/2023</a:t>
+              <a:t>2/26/2023</a:t>
             </a:fld>
             <a:endParaRPr lang="en-US"/>
           </a:p>
@@ -596,7 +595,7 @@
           <a:p>
             <a:fld id="{B763E85F-F0CF-48E9-BAE2-78332D8C44C6}" type="datetimeFigureOut">
               <a:rPr lang="en-US" smtClean="0"/>
-              <a:t>2/25/2023</a:t>
+              <a:t>2/26/2023</a:t>
             </a:fld>
             <a:endParaRPr lang="en-US"/>
           </a:p>
@@ -766,7 +765,7 @@
           <a:p>
             <a:fld id="{B763E85F-F0CF-48E9-BAE2-78332D8C44C6}" type="datetimeFigureOut">
               <a:rPr lang="en-US" smtClean="0"/>
-              <a:t>2/25/2023</a:t>
+              <a:t>2/26/2023</a:t>
             </a:fld>
             <a:endParaRPr lang="en-US"/>
           </a:p>
@@ -1012,7 +1011,7 @@
           <a:p>
             <a:fld id="{B763E85F-F0CF-48E9-BAE2-78332D8C44C6}" type="datetimeFigureOut">
               <a:rPr lang="en-US" smtClean="0"/>
-              <a:t>2/25/2023</a:t>
+              <a:t>2/26/2023</a:t>
             </a:fld>
             <a:endParaRPr lang="en-US"/>
           </a:p>
@@ -1244,7 +1243,7 @@
           <a:p>
             <a:fld id="{B763E85F-F0CF-48E9-BAE2-78332D8C44C6}" type="datetimeFigureOut">
               <a:rPr lang="en-US" smtClean="0"/>
-              <a:t>2/25/2023</a:t>
+              <a:t>2/26/2023</a:t>
             </a:fld>
             <a:endParaRPr lang="en-US"/>
           </a:p>
@@ -1611,7 +1610,7 @@
           <a:p>
             <a:fld id="{B763E85F-F0CF-48E9-BAE2-78332D8C44C6}" type="datetimeFigureOut">
               <a:rPr lang="en-US" smtClean="0"/>
-              <a:t>2/25/2023</a:t>
+              <a:t>2/26/2023</a:t>
             </a:fld>
             <a:endParaRPr lang="en-US"/>
           </a:p>
@@ -1729,7 +1728,7 @@
           <a:p>
             <a:fld id="{B763E85F-F0CF-48E9-BAE2-78332D8C44C6}" type="datetimeFigureOut">
               <a:rPr lang="en-US" smtClean="0"/>
-              <a:t>2/25/2023</a:t>
+              <a:t>2/26/2023</a:t>
             </a:fld>
             <a:endParaRPr lang="en-US"/>
           </a:p>
@@ -1824,7 +1823,7 @@
           <a:p>
             <a:fld id="{B763E85F-F0CF-48E9-BAE2-78332D8C44C6}" type="datetimeFigureOut">
               <a:rPr lang="en-US" smtClean="0"/>
-              <a:t>2/25/2023</a:t>
+              <a:t>2/26/2023</a:t>
             </a:fld>
             <a:endParaRPr lang="en-US"/>
           </a:p>
@@ -2101,7 +2100,7 @@
           <a:p>
             <a:fld id="{B763E85F-F0CF-48E9-BAE2-78332D8C44C6}" type="datetimeFigureOut">
               <a:rPr lang="en-US" smtClean="0"/>
-              <a:t>2/25/2023</a:t>
+              <a:t>2/26/2023</a:t>
             </a:fld>
             <a:endParaRPr lang="en-US"/>
           </a:p>
@@ -2354,7 +2353,7 @@
           <a:p>
             <a:fld id="{B763E85F-F0CF-48E9-BAE2-78332D8C44C6}" type="datetimeFigureOut">
               <a:rPr lang="en-US" smtClean="0"/>
-              <a:t>2/25/2023</a:t>
+              <a:t>2/26/2023</a:t>
             </a:fld>
             <a:endParaRPr lang="en-US"/>
           </a:p>
@@ -2567,7 +2566,7 @@
           <a:p>
             <a:fld id="{B763E85F-F0CF-48E9-BAE2-78332D8C44C6}" type="datetimeFigureOut">
               <a:rPr lang="en-US" smtClean="0"/>
-              <a:t>2/25/2023</a:t>
+              <a:t>2/26/2023</a:t>
             </a:fld>
             <a:endParaRPr lang="en-US"/>
           </a:p>
@@ -3912,7 +3911,7 @@
         </p:blipFill>
         <p:spPr>
           <a:xfrm>
-            <a:off x="6413500" y="1726024"/>
+            <a:off x="6235700" y="1345360"/>
             <a:ext cx="5638800" cy="3519075"/>
           </a:xfrm>
           <a:prstGeom prst="rect">
@@ -3971,7 +3970,7 @@
         </p:nvSpPr>
         <p:spPr>
           <a:xfrm>
-            <a:off x="161811" y="2469898"/>
+            <a:off x="415811" y="2406398"/>
             <a:ext cx="5934189" cy="2031325"/>
           </a:xfrm>
           <a:prstGeom prst="rect">
@@ -4127,53 +4126,16 @@
           </a:p>
         </p:txBody>
       </p:sp>
-    </p:spTree>
-    <p:extLst>
-      <p:ext uri="{BB962C8B-B14F-4D97-AF65-F5344CB8AC3E}">
-        <p14:creationId xmlns:p14="http://schemas.microsoft.com/office/powerpoint/2010/main" val="1649205913"/>
-      </p:ext>
-    </p:extLst>
-  </p:cSld>
-  <p:clrMapOvr>
-    <a:masterClrMapping/>
-  </p:clrMapOvr>
-  <p:timing>
-    <p:tnLst>
-      <p:par>
-        <p:cTn id="1" dur="indefinite" restart="never" nodeType="tmRoot"/>
-      </p:par>
-    </p:tnLst>
-  </p:timing>
-</p:sld>
-</file>
-
-<file path=ppt/slides/slide4.xml><?xml version="1.0" encoding="utf-8"?>
-<p:sld xmlns:a="http://schemas.openxmlformats.org/drawingml/2006/main" xmlns:r="http://schemas.openxmlformats.org/officeDocument/2006/relationships" xmlns:p="http://schemas.openxmlformats.org/presentationml/2006/main">
-  <p:cSld>
-    <p:spTree>
-      <p:nvGrpSpPr>
-        <p:cNvPr id="1" name=""/>
-        <p:cNvGrpSpPr/>
-        <p:nvPr/>
-      </p:nvGrpSpPr>
-      <p:grpSpPr>
-        <a:xfrm>
-          <a:off x="0" y="0"/>
-          <a:ext cx="0" cy="0"/>
-          <a:chOff x="0" y="0"/>
-          <a:chExt cx="0" cy="0"/>
-        </a:xfrm>
-      </p:grpSpPr>
-      <p:sp>
-        <p:nvSpPr>
-          <p:cNvPr id="3" name="TextBox 2"/>
+      <p:sp>
+        <p:nvSpPr>
+          <p:cNvPr id="5" name="TextBox 4"/>
           <p:cNvSpPr txBox="1"/>
           <p:nvPr/>
         </p:nvSpPr>
         <p:spPr>
           <a:xfrm>
-            <a:off x="279400" y="596900"/>
-            <a:ext cx="6514412" cy="369332"/>
+            <a:off x="415811" y="4442935"/>
+            <a:ext cx="5934189" cy="646331"/>
           </a:xfrm>
           <a:prstGeom prst="rect">
             <a:avLst/>
@@ -4181,7 +4143,7 @@
           <a:noFill/>
         </p:spPr>
         <p:txBody>
-          <a:bodyPr wrap="none" rtlCol="0">
+          <a:bodyPr wrap="square" rtlCol="0">
             <a:spAutoFit/>
           </a:bodyPr>
           <a:lstStyle/>
@@ -4209,14 +4171,14 @@
       </p:sp>
       <p:sp>
         <p:nvSpPr>
-          <p:cNvPr id="4" name="TextBox 3"/>
+          <p:cNvPr id="7" name="TextBox 6"/>
           <p:cNvSpPr txBox="1"/>
           <p:nvPr/>
         </p:nvSpPr>
         <p:spPr>
           <a:xfrm>
-            <a:off x="279400" y="966232"/>
-            <a:ext cx="5338449" cy="369332"/>
+            <a:off x="415811" y="5089266"/>
+            <a:ext cx="4862966" cy="646331"/>
           </a:xfrm>
           <a:prstGeom prst="rect">
             <a:avLst/>
@@ -4224,7 +4186,7 @@
           <a:noFill/>
         </p:spPr>
         <p:txBody>
-          <a:bodyPr wrap="none" rtlCol="0">
+          <a:bodyPr wrap="square" rtlCol="0">
             <a:spAutoFit/>
           </a:bodyPr>
           <a:lstStyle/>
@@ -4310,7 +4272,7 @@
     </p:spTree>
     <p:extLst>
       <p:ext uri="{BB962C8B-B14F-4D97-AF65-F5344CB8AC3E}">
-        <p14:creationId xmlns:p14="http://schemas.microsoft.com/office/powerpoint/2010/main" val="490670887"/>
+        <p14:creationId xmlns:p14="http://schemas.microsoft.com/office/powerpoint/2010/main" val="1649205913"/>
       </p:ext>
     </p:extLst>
   </p:cSld>
